--- a/Presentations/ML Intro.pptx
+++ b/Presentations/ML Intro.pptx
@@ -310,7 +310,7 @@
             <a:fld id="{1D8BD707-D9CF-40AE-B4C6-C98DA3205C09}" type="datetimeFigureOut">
               <a:rPr lang="en-US" smtClean="0"/>
               <a:pPr/>
-              <a:t>5/16/2017</a:t>
+              <a:t>6/2/2017</a:t>
             </a:fld>
             <a:endParaRPr lang="en-US"/>
           </a:p>
@@ -477,7 +477,7 @@
             <a:fld id="{1D8BD707-D9CF-40AE-B4C6-C98DA3205C09}" type="datetimeFigureOut">
               <a:rPr lang="en-US" smtClean="0"/>
               <a:pPr/>
-              <a:t>5/16/2017</a:t>
+              <a:t>6/2/2017</a:t>
             </a:fld>
             <a:endParaRPr lang="en-US"/>
           </a:p>
@@ -654,7 +654,7 @@
             <a:fld id="{1D8BD707-D9CF-40AE-B4C6-C98DA3205C09}" type="datetimeFigureOut">
               <a:rPr lang="en-US" smtClean="0"/>
               <a:pPr/>
-              <a:t>5/16/2017</a:t>
+              <a:t>6/2/2017</a:t>
             </a:fld>
             <a:endParaRPr lang="en-US"/>
           </a:p>
@@ -821,7 +821,7 @@
             <a:fld id="{1D8BD707-D9CF-40AE-B4C6-C98DA3205C09}" type="datetimeFigureOut">
               <a:rPr lang="en-US" smtClean="0"/>
               <a:pPr/>
-              <a:t>5/16/2017</a:t>
+              <a:t>6/2/2017</a:t>
             </a:fld>
             <a:endParaRPr lang="en-US"/>
           </a:p>
@@ -1064,7 +1064,7 @@
             <a:fld id="{1D8BD707-D9CF-40AE-B4C6-C98DA3205C09}" type="datetimeFigureOut">
               <a:rPr lang="en-US" smtClean="0"/>
               <a:pPr/>
-              <a:t>5/16/2017</a:t>
+              <a:t>6/2/2017</a:t>
             </a:fld>
             <a:endParaRPr lang="en-US"/>
           </a:p>
@@ -1349,7 +1349,7 @@
             <a:fld id="{1D8BD707-D9CF-40AE-B4C6-C98DA3205C09}" type="datetimeFigureOut">
               <a:rPr lang="en-US" smtClean="0"/>
               <a:pPr/>
-              <a:t>5/16/2017</a:t>
+              <a:t>6/2/2017</a:t>
             </a:fld>
             <a:endParaRPr lang="en-US"/>
           </a:p>
@@ -1768,7 +1768,7 @@
             <a:fld id="{1D8BD707-D9CF-40AE-B4C6-C98DA3205C09}" type="datetimeFigureOut">
               <a:rPr lang="en-US" smtClean="0"/>
               <a:pPr/>
-              <a:t>5/16/2017</a:t>
+              <a:t>6/2/2017</a:t>
             </a:fld>
             <a:endParaRPr lang="en-US"/>
           </a:p>
@@ -1883,7 +1883,7 @@
             <a:fld id="{1D8BD707-D9CF-40AE-B4C6-C98DA3205C09}" type="datetimeFigureOut">
               <a:rPr lang="en-US" smtClean="0"/>
               <a:pPr/>
-              <a:t>5/16/2017</a:t>
+              <a:t>6/2/2017</a:t>
             </a:fld>
             <a:endParaRPr lang="en-US"/>
           </a:p>
@@ -1975,7 +1975,7 @@
             <a:fld id="{1D8BD707-D9CF-40AE-B4C6-C98DA3205C09}" type="datetimeFigureOut">
               <a:rPr lang="en-US" smtClean="0"/>
               <a:pPr/>
-              <a:t>5/16/2017</a:t>
+              <a:t>6/2/2017</a:t>
             </a:fld>
             <a:endParaRPr lang="en-US"/>
           </a:p>
@@ -2249,7 +2249,7 @@
             <a:fld id="{1D8BD707-D9CF-40AE-B4C6-C98DA3205C09}" type="datetimeFigureOut">
               <a:rPr lang="en-US" smtClean="0"/>
               <a:pPr/>
-              <a:t>5/16/2017</a:t>
+              <a:t>6/2/2017</a:t>
             </a:fld>
             <a:endParaRPr lang="en-US"/>
           </a:p>
@@ -2499,7 +2499,7 @@
             <a:fld id="{1D8BD707-D9CF-40AE-B4C6-C98DA3205C09}" type="datetimeFigureOut">
               <a:rPr lang="en-US" smtClean="0"/>
               <a:pPr/>
-              <a:t>5/16/2017</a:t>
+              <a:t>6/2/2017</a:t>
             </a:fld>
             <a:endParaRPr lang="en-US"/>
           </a:p>
@@ -2709,7 +2709,7 @@
             <a:fld id="{1D8BD707-D9CF-40AE-B4C6-C98DA3205C09}" type="datetimeFigureOut">
               <a:rPr lang="en-US" smtClean="0"/>
               <a:pPr/>
-              <a:t>5/16/2017</a:t>
+              <a:t>6/2/2017</a:t>
             </a:fld>
             <a:endParaRPr lang="en-US"/>
           </a:p>
@@ -3166,6 +3166,16 @@
           </a:p>
           <a:p>
             <a:r>
+              <a:rPr lang="en-US" sz="2400" smtClean="0">
+                <a:solidFill>
+                  <a:schemeClr val="accent1">
+                    <a:lumMod val="75000"/>
+                  </a:schemeClr>
+                </a:solidFill>
+              </a:rPr>
+              <a:t>Portland </a:t>
+            </a:r>
+            <a:r>
               <a:rPr lang="en-US" sz="2400" dirty="0" smtClean="0">
                 <a:solidFill>
                   <a:schemeClr val="accent1">
@@ -3173,7 +3183,66 @@
                   </a:schemeClr>
                 </a:solidFill>
               </a:rPr>
-              <a:t>Co-Organizer, Portland Data Science Group</a:t>
+              <a:t>Data </a:t>
+            </a:r>
+            <a:r>
+              <a:rPr lang="en-US" sz="2400" smtClean="0">
+                <a:solidFill>
+                  <a:schemeClr val="accent1">
+                    <a:lumMod val="75000"/>
+                  </a:schemeClr>
+                </a:solidFill>
+              </a:rPr>
+              <a:t>Science </a:t>
+            </a:r>
+            <a:r>
+              <a:rPr lang="en-US" sz="2400">
+                <a:solidFill>
+                  <a:schemeClr val="accent1">
+                    <a:lumMod val="75000"/>
+                  </a:schemeClr>
+                </a:solidFill>
+              </a:rPr>
+              <a:t>Group</a:t>
+            </a:r>
+            <a:br>
+              <a:rPr lang="en-US" sz="2400">
+                <a:solidFill>
+                  <a:schemeClr val="accent1">
+                    <a:lumMod val="75000"/>
+                  </a:schemeClr>
+                </a:solidFill>
+              </a:rPr>
+            </a:br>
+            <a:r>
+              <a:rPr lang="en-US" sz="2400">
+                <a:solidFill>
+                  <a:schemeClr val="accent1">
+                    <a:lumMod val="75000"/>
+                  </a:schemeClr>
+                </a:solidFill>
+              </a:rPr>
+              <a:t>Community </a:t>
+            </a:r>
+            <a:r>
+              <a:rPr lang="en-US" sz="2400">
+                <a:solidFill>
+                  <a:schemeClr val="accent1">
+                    <a:lumMod val="75000"/>
+                  </a:schemeClr>
+                </a:solidFill>
+              </a:rPr>
+              <a:t>Outreach </a:t>
+            </a:r>
+            <a:r>
+              <a:rPr lang="en-US" sz="2400" smtClean="0">
+                <a:solidFill>
+                  <a:schemeClr val="accent1">
+                    <a:lumMod val="75000"/>
+                  </a:schemeClr>
+                </a:solidFill>
+              </a:rPr>
+              <a:t>Officer</a:t>
             </a:r>
             <a:r>
               <a:rPr lang="en-US" sz="2400" dirty="0" smtClean="0"/>
@@ -17250,17 +17319,7 @@
                   </a:schemeClr>
                 </a:solidFill>
               </a:rPr>
-              <a:t>Preparing a </a:t>
-            </a:r>
-            <a:r>
-              <a:rPr lang="en-US" dirty="0" smtClean="0">
-                <a:solidFill>
-                  <a:schemeClr val="accent1">
-                    <a:lumMod val="75000"/>
-                  </a:schemeClr>
-                </a:solidFill>
-              </a:rPr>
-              <a:t>Dataset - Clean</a:t>
+              <a:t>Preparing a Dataset - Clean</a:t>
             </a:r>
             <a:endParaRPr lang="en-US" dirty="0">
               <a:solidFill>
@@ -17634,17 +17693,7 @@
                   </a:schemeClr>
                 </a:solidFill>
               </a:rPr>
-              <a:t>Preparing a </a:t>
-            </a:r>
-            <a:r>
-              <a:rPr lang="en-US" dirty="0" smtClean="0">
-                <a:solidFill>
-                  <a:schemeClr val="accent1">
-                    <a:lumMod val="75000"/>
-                  </a:schemeClr>
-                </a:solidFill>
-              </a:rPr>
-              <a:t>Dataset – Conversion</a:t>
+              <a:t>Preparing a Dataset – Conversion</a:t>
             </a:r>
             <a:endParaRPr lang="en-US" dirty="0">
               <a:solidFill>
@@ -18380,17 +18429,7 @@
                   </a:schemeClr>
                 </a:solidFill>
               </a:rPr>
-              <a:t>Preparing a </a:t>
-            </a:r>
-            <a:r>
-              <a:rPr lang="en-US" dirty="0" smtClean="0">
-                <a:solidFill>
-                  <a:schemeClr val="accent1">
-                    <a:lumMod val="75000"/>
-                  </a:schemeClr>
-                </a:solidFill>
-              </a:rPr>
-              <a:t>Dataset – Feature Scaling</a:t>
+              <a:t>Preparing a Dataset – Feature Scaling</a:t>
             </a:r>
             <a:endParaRPr lang="en-US" dirty="0">
               <a:solidFill>
@@ -18896,8 +18935,8 @@
           </a:p>
         </p:txBody>
       </p:sp>
-      <mc:AlternateContent xmlns:mc="http://schemas.openxmlformats.org/markup-compatibility/2006">
-        <mc:Choice xmlns:a14="http://schemas.microsoft.com/office/drawing/2010/main" Requires="a14">
+      <mc:AlternateContent xmlns:mc="http://schemas.openxmlformats.org/markup-compatibility/2006" xmlns:a14="http://schemas.microsoft.com/office/drawing/2010/main">
+        <mc:Choice Requires="a14">
           <p:sp>
             <p:nvSpPr>
               <p:cNvPr id="11" name="TextBox 10"/>
@@ -18920,6 +18959,7 @@
               </a:bodyPr>
               <a:lstStyle/>
               <a:p>
+                <a:pPr/>
                 <a14:m>
                   <m:oMathPara xmlns:m="http://schemas.openxmlformats.org/officeDocument/2006/math">
                     <m:oMathParaPr>
@@ -19058,7 +19098,7 @@
             </p:txBody>
           </p:sp>
         </mc:Choice>
-        <mc:Fallback>
+        <mc:Fallback xmlns="">
           <p:sp>
             <p:nvSpPr>
               <p:cNvPr id="11" name="TextBox 10"/>

--- a/Presentations/ML Intro.pptx
+++ b/Presentations/ML Intro.pptx
@@ -310,7 +310,7 @@
             <a:fld id="{1D8BD707-D9CF-40AE-B4C6-C98DA3205C09}" type="datetimeFigureOut">
               <a:rPr lang="en-US" smtClean="0"/>
               <a:pPr/>
-              <a:t>6/2/2017</a:t>
+              <a:t>6/15/2017</a:t>
             </a:fld>
             <a:endParaRPr lang="en-US"/>
           </a:p>
@@ -477,7 +477,7 @@
             <a:fld id="{1D8BD707-D9CF-40AE-B4C6-C98DA3205C09}" type="datetimeFigureOut">
               <a:rPr lang="en-US" smtClean="0"/>
               <a:pPr/>
-              <a:t>6/2/2017</a:t>
+              <a:t>6/15/2017</a:t>
             </a:fld>
             <a:endParaRPr lang="en-US"/>
           </a:p>
@@ -654,7 +654,7 @@
             <a:fld id="{1D8BD707-D9CF-40AE-B4C6-C98DA3205C09}" type="datetimeFigureOut">
               <a:rPr lang="en-US" smtClean="0"/>
               <a:pPr/>
-              <a:t>6/2/2017</a:t>
+              <a:t>6/15/2017</a:t>
             </a:fld>
             <a:endParaRPr lang="en-US"/>
           </a:p>
@@ -821,7 +821,7 @@
             <a:fld id="{1D8BD707-D9CF-40AE-B4C6-C98DA3205C09}" type="datetimeFigureOut">
               <a:rPr lang="en-US" smtClean="0"/>
               <a:pPr/>
-              <a:t>6/2/2017</a:t>
+              <a:t>6/15/2017</a:t>
             </a:fld>
             <a:endParaRPr lang="en-US"/>
           </a:p>
@@ -1064,7 +1064,7 @@
             <a:fld id="{1D8BD707-D9CF-40AE-B4C6-C98DA3205C09}" type="datetimeFigureOut">
               <a:rPr lang="en-US" smtClean="0"/>
               <a:pPr/>
-              <a:t>6/2/2017</a:t>
+              <a:t>6/15/2017</a:t>
             </a:fld>
             <a:endParaRPr lang="en-US"/>
           </a:p>
@@ -1349,7 +1349,7 @@
             <a:fld id="{1D8BD707-D9CF-40AE-B4C6-C98DA3205C09}" type="datetimeFigureOut">
               <a:rPr lang="en-US" smtClean="0"/>
               <a:pPr/>
-              <a:t>6/2/2017</a:t>
+              <a:t>6/15/2017</a:t>
             </a:fld>
             <a:endParaRPr lang="en-US"/>
           </a:p>
@@ -1768,7 +1768,7 @@
             <a:fld id="{1D8BD707-D9CF-40AE-B4C6-C98DA3205C09}" type="datetimeFigureOut">
               <a:rPr lang="en-US" smtClean="0"/>
               <a:pPr/>
-              <a:t>6/2/2017</a:t>
+              <a:t>6/15/2017</a:t>
             </a:fld>
             <a:endParaRPr lang="en-US"/>
           </a:p>
@@ -1883,7 +1883,7 @@
             <a:fld id="{1D8BD707-D9CF-40AE-B4C6-C98DA3205C09}" type="datetimeFigureOut">
               <a:rPr lang="en-US" smtClean="0"/>
               <a:pPr/>
-              <a:t>6/2/2017</a:t>
+              <a:t>6/15/2017</a:t>
             </a:fld>
             <a:endParaRPr lang="en-US"/>
           </a:p>
@@ -1975,7 +1975,7 @@
             <a:fld id="{1D8BD707-D9CF-40AE-B4C6-C98DA3205C09}" type="datetimeFigureOut">
               <a:rPr lang="en-US" smtClean="0"/>
               <a:pPr/>
-              <a:t>6/2/2017</a:t>
+              <a:t>6/15/2017</a:t>
             </a:fld>
             <a:endParaRPr lang="en-US"/>
           </a:p>
@@ -2249,7 +2249,7 @@
             <a:fld id="{1D8BD707-D9CF-40AE-B4C6-C98DA3205C09}" type="datetimeFigureOut">
               <a:rPr lang="en-US" smtClean="0"/>
               <a:pPr/>
-              <a:t>6/2/2017</a:t>
+              <a:t>6/15/2017</a:t>
             </a:fld>
             <a:endParaRPr lang="en-US"/>
           </a:p>
@@ -2499,7 +2499,7 @@
             <a:fld id="{1D8BD707-D9CF-40AE-B4C6-C98DA3205C09}" type="datetimeFigureOut">
               <a:rPr lang="en-US" smtClean="0"/>
               <a:pPr/>
-              <a:t>6/2/2017</a:t>
+              <a:t>6/15/2017</a:t>
             </a:fld>
             <a:endParaRPr lang="en-US"/>
           </a:p>
@@ -2709,7 +2709,7 @@
             <a:fld id="{1D8BD707-D9CF-40AE-B4C6-C98DA3205C09}" type="datetimeFigureOut">
               <a:rPr lang="en-US" smtClean="0"/>
               <a:pPr/>
-              <a:t>6/2/2017</a:t>
+              <a:t>6/15/2017</a:t>
             </a:fld>
             <a:endParaRPr lang="en-US"/>
           </a:p>
@@ -3222,17 +3222,7 @@
                   </a:schemeClr>
                 </a:solidFill>
               </a:rPr>
-              <a:t>Community </a:t>
-            </a:r>
-            <a:r>
-              <a:rPr lang="en-US" sz="2400">
-                <a:solidFill>
-                  <a:schemeClr val="accent1">
-                    <a:lumMod val="75000"/>
-                  </a:schemeClr>
-                </a:solidFill>
-              </a:rPr>
-              <a:t>Outreach </a:t>
+              <a:t>Community Outreach </a:t>
             </a:r>
             <a:r>
               <a:rPr lang="en-US" sz="2400" smtClean="0">
@@ -8572,7 +8562,31 @@
                   <a:srgbClr val="FF0000"/>
                 </a:solidFill>
               </a:rPr>
-              <a:t>y = b + ax</a:t>
+              <a:t>y = </a:t>
+            </a:r>
+            <a:r>
+              <a:rPr lang="en-US" sz="2800" dirty="0" smtClean="0">
+                <a:solidFill>
+                  <a:srgbClr val="FF0000"/>
+                </a:solidFill>
+              </a:rPr>
+              <a:t>a </a:t>
+            </a:r>
+            <a:r>
+              <a:rPr lang="en-US" sz="2800" dirty="0" smtClean="0">
+                <a:solidFill>
+                  <a:srgbClr val="FF0000"/>
+                </a:solidFill>
+              </a:rPr>
+              <a:t>+ </a:t>
+            </a:r>
+            <a:r>
+              <a:rPr lang="en-US" sz="2800" dirty="0" err="1" smtClean="0">
+                <a:solidFill>
+                  <a:srgbClr val="FF0000"/>
+                </a:solidFill>
+              </a:rPr>
+              <a:t>bx</a:t>
             </a:r>
             <a:endParaRPr lang="en-US" sz="2800" dirty="0">
               <a:solidFill>
@@ -8610,7 +8624,7 @@
                   <a:srgbClr val="FF0000"/>
                 </a:solidFill>
               </a:rPr>
-              <a:t>b</a:t>
+              <a:t>a</a:t>
             </a:r>
             <a:endParaRPr lang="en-US" sz="1400" dirty="0">
               <a:solidFill>
@@ -8681,12 +8695,28 @@
           <a:lstStyle/>
           <a:p>
             <a:r>
+              <a:rPr lang="en-US" sz="1400" dirty="0" err="1" smtClean="0">
+                <a:solidFill>
+                  <a:srgbClr val="FF0000"/>
+                </a:solidFill>
+              </a:rPr>
+              <a:t>bx</a:t>
+            </a:r>
+            <a:r>
               <a:rPr lang="en-US" sz="1400" dirty="0" smtClean="0">
                 <a:solidFill>
                   <a:srgbClr val="FF0000"/>
                 </a:solidFill>
               </a:rPr>
-              <a:t>ax (slope)</a:t>
+              <a:t> </a:t>
+            </a:r>
+            <a:r>
+              <a:rPr lang="en-US" sz="1400" dirty="0" smtClean="0">
+                <a:solidFill>
+                  <a:srgbClr val="FF0000"/>
+                </a:solidFill>
+              </a:rPr>
+              <a:t>(slope)</a:t>
             </a:r>
             <a:endParaRPr lang="en-US" sz="1400" dirty="0">
               <a:solidFill>

--- a/Presentations/ML Intro.pptx
+++ b/Presentations/ML Intro.pptx
@@ -310,7 +310,7 @@
             <a:fld id="{1D8BD707-D9CF-40AE-B4C6-C98DA3205C09}" type="datetimeFigureOut">
               <a:rPr lang="en-US" smtClean="0"/>
               <a:pPr/>
-              <a:t>6/15/2017</a:t>
+              <a:t>7/3/2017</a:t>
             </a:fld>
             <a:endParaRPr lang="en-US"/>
           </a:p>
@@ -477,7 +477,7 @@
             <a:fld id="{1D8BD707-D9CF-40AE-B4C6-C98DA3205C09}" type="datetimeFigureOut">
               <a:rPr lang="en-US" smtClean="0"/>
               <a:pPr/>
-              <a:t>6/15/2017</a:t>
+              <a:t>7/3/2017</a:t>
             </a:fld>
             <a:endParaRPr lang="en-US"/>
           </a:p>
@@ -654,7 +654,7 @@
             <a:fld id="{1D8BD707-D9CF-40AE-B4C6-C98DA3205C09}" type="datetimeFigureOut">
               <a:rPr lang="en-US" smtClean="0"/>
               <a:pPr/>
-              <a:t>6/15/2017</a:t>
+              <a:t>7/3/2017</a:t>
             </a:fld>
             <a:endParaRPr lang="en-US"/>
           </a:p>
@@ -821,7 +821,7 @@
             <a:fld id="{1D8BD707-D9CF-40AE-B4C6-C98DA3205C09}" type="datetimeFigureOut">
               <a:rPr lang="en-US" smtClean="0"/>
               <a:pPr/>
-              <a:t>6/15/2017</a:t>
+              <a:t>7/3/2017</a:t>
             </a:fld>
             <a:endParaRPr lang="en-US"/>
           </a:p>
@@ -1064,7 +1064,7 @@
             <a:fld id="{1D8BD707-D9CF-40AE-B4C6-C98DA3205C09}" type="datetimeFigureOut">
               <a:rPr lang="en-US" smtClean="0"/>
               <a:pPr/>
-              <a:t>6/15/2017</a:t>
+              <a:t>7/3/2017</a:t>
             </a:fld>
             <a:endParaRPr lang="en-US"/>
           </a:p>
@@ -1349,7 +1349,7 @@
             <a:fld id="{1D8BD707-D9CF-40AE-B4C6-C98DA3205C09}" type="datetimeFigureOut">
               <a:rPr lang="en-US" smtClean="0"/>
               <a:pPr/>
-              <a:t>6/15/2017</a:t>
+              <a:t>7/3/2017</a:t>
             </a:fld>
             <a:endParaRPr lang="en-US"/>
           </a:p>
@@ -1768,7 +1768,7 @@
             <a:fld id="{1D8BD707-D9CF-40AE-B4C6-C98DA3205C09}" type="datetimeFigureOut">
               <a:rPr lang="en-US" smtClean="0"/>
               <a:pPr/>
-              <a:t>6/15/2017</a:t>
+              <a:t>7/3/2017</a:t>
             </a:fld>
             <a:endParaRPr lang="en-US"/>
           </a:p>
@@ -1883,7 +1883,7 @@
             <a:fld id="{1D8BD707-D9CF-40AE-B4C6-C98DA3205C09}" type="datetimeFigureOut">
               <a:rPr lang="en-US" smtClean="0"/>
               <a:pPr/>
-              <a:t>6/15/2017</a:t>
+              <a:t>7/3/2017</a:t>
             </a:fld>
             <a:endParaRPr lang="en-US"/>
           </a:p>
@@ -1975,7 +1975,7 @@
             <a:fld id="{1D8BD707-D9CF-40AE-B4C6-C98DA3205C09}" type="datetimeFigureOut">
               <a:rPr lang="en-US" smtClean="0"/>
               <a:pPr/>
-              <a:t>6/15/2017</a:t>
+              <a:t>7/3/2017</a:t>
             </a:fld>
             <a:endParaRPr lang="en-US"/>
           </a:p>
@@ -2249,7 +2249,7 @@
             <a:fld id="{1D8BD707-D9CF-40AE-B4C6-C98DA3205C09}" type="datetimeFigureOut">
               <a:rPr lang="en-US" smtClean="0"/>
               <a:pPr/>
-              <a:t>6/15/2017</a:t>
+              <a:t>7/3/2017</a:t>
             </a:fld>
             <a:endParaRPr lang="en-US"/>
           </a:p>
@@ -2499,7 +2499,7 @@
             <a:fld id="{1D8BD707-D9CF-40AE-B4C6-C98DA3205C09}" type="datetimeFigureOut">
               <a:rPr lang="en-US" smtClean="0"/>
               <a:pPr/>
-              <a:t>6/15/2017</a:t>
+              <a:t>7/3/2017</a:t>
             </a:fld>
             <a:endParaRPr lang="en-US"/>
           </a:p>
@@ -2709,7 +2709,7 @@
             <a:fld id="{1D8BD707-D9CF-40AE-B4C6-C98DA3205C09}" type="datetimeFigureOut">
               <a:rPr lang="en-US" smtClean="0"/>
               <a:pPr/>
-              <a:t>6/15/2017</a:t>
+              <a:t>7/3/2017</a:t>
             </a:fld>
             <a:endParaRPr lang="en-US"/>
           </a:p>
@@ -3137,6 +3137,45 @@
           <a:lstStyle/>
           <a:p>
             <a:r>
+              <a:rPr lang="en-US" sz="2400" smtClean="0">
+                <a:solidFill>
+                  <a:schemeClr val="accent1">
+                    <a:lumMod val="75000"/>
+                  </a:schemeClr>
+                </a:solidFill>
+              </a:rPr>
+              <a:t>Portland </a:t>
+            </a:r>
+            <a:r>
+              <a:rPr lang="en-US" sz="2400" dirty="0" smtClean="0">
+                <a:solidFill>
+                  <a:schemeClr val="accent1">
+                    <a:lumMod val="75000"/>
+                  </a:schemeClr>
+                </a:solidFill>
+              </a:rPr>
+              <a:t>Data Science </a:t>
+            </a:r>
+            <a:r>
+              <a:rPr lang="en-US" sz="2400" dirty="0">
+                <a:solidFill>
+                  <a:schemeClr val="accent1">
+                    <a:lumMod val="75000"/>
+                  </a:schemeClr>
+                </a:solidFill>
+              </a:rPr>
+              <a:t>Group</a:t>
+            </a:r>
+            <a:br>
+              <a:rPr lang="en-US" sz="2400" dirty="0">
+                <a:solidFill>
+                  <a:schemeClr val="accent1">
+                    <a:lumMod val="75000"/>
+                  </a:schemeClr>
+                </a:solidFill>
+              </a:rPr>
+            </a:br>
+            <a:r>
               <a:rPr lang="en-US" sz="2400" dirty="0" smtClean="0">
                 <a:solidFill>
                   <a:schemeClr val="accent1">
@@ -3156,24 +3195,34 @@
               </a:rPr>
               <a:t>Ferlitsch</a:t>
             </a:r>
-            <a:endParaRPr lang="en-US" sz="2400" dirty="0" smtClean="0">
-              <a:solidFill>
-                <a:schemeClr val="accent1">
-                  <a:lumMod val="75000"/>
-                </a:schemeClr>
-              </a:solidFill>
-            </a:endParaRPr>
-          </a:p>
-          <a:p>
-            <a:r>
-              <a:rPr lang="en-US" sz="2400" smtClean="0">
+            <a:r>
+              <a:rPr lang="en-US" sz="2400" dirty="0">
                 <a:solidFill>
                   <a:schemeClr val="accent1">
                     <a:lumMod val="75000"/>
                   </a:schemeClr>
                 </a:solidFill>
               </a:rPr>
-              <a:t>Portland </a:t>
+              <a:t/>
+            </a:r>
+            <a:br>
+              <a:rPr lang="en-US" sz="2400" dirty="0">
+                <a:solidFill>
+                  <a:schemeClr val="accent1">
+                    <a:lumMod val="75000"/>
+                  </a:schemeClr>
+                </a:solidFill>
+              </a:rPr>
+            </a:br>
+            <a:r>
+              <a:rPr lang="en-US" sz="2400" dirty="0">
+                <a:solidFill>
+                  <a:schemeClr val="accent1">
+                    <a:lumMod val="75000"/>
+                  </a:schemeClr>
+                </a:solidFill>
+              </a:rPr>
+              <a:t>Community Outreach </a:t>
             </a:r>
             <a:r>
               <a:rPr lang="en-US" sz="2400" dirty="0" smtClean="0">
@@ -3183,55 +3232,6 @@
                   </a:schemeClr>
                 </a:solidFill>
               </a:rPr>
-              <a:t>Data </a:t>
-            </a:r>
-            <a:r>
-              <a:rPr lang="en-US" sz="2400" smtClean="0">
-                <a:solidFill>
-                  <a:schemeClr val="accent1">
-                    <a:lumMod val="75000"/>
-                  </a:schemeClr>
-                </a:solidFill>
-              </a:rPr>
-              <a:t>Science </a:t>
-            </a:r>
-            <a:r>
-              <a:rPr lang="en-US" sz="2400">
-                <a:solidFill>
-                  <a:schemeClr val="accent1">
-                    <a:lumMod val="75000"/>
-                  </a:schemeClr>
-                </a:solidFill>
-              </a:rPr>
-              <a:t>Group</a:t>
-            </a:r>
-            <a:br>
-              <a:rPr lang="en-US" sz="2400">
-                <a:solidFill>
-                  <a:schemeClr val="accent1">
-                    <a:lumMod val="75000"/>
-                  </a:schemeClr>
-                </a:solidFill>
-              </a:rPr>
-            </a:br>
-            <a:r>
-              <a:rPr lang="en-US" sz="2400">
-                <a:solidFill>
-                  <a:schemeClr val="accent1">
-                    <a:lumMod val="75000"/>
-                  </a:schemeClr>
-                </a:solidFill>
-              </a:rPr>
-              <a:t>Community Outreach </a:t>
-            </a:r>
-            <a:r>
-              <a:rPr lang="en-US" sz="2400" smtClean="0">
-                <a:solidFill>
-                  <a:schemeClr val="accent1">
-                    <a:lumMod val="75000"/>
-                  </a:schemeClr>
-                </a:solidFill>
-              </a:rPr>
               <a:t>Officer</a:t>
             </a:r>
             <a:r>
@@ -3249,6 +3249,128 @@
           </a:p>
         </p:txBody>
       </p:sp>
+      <p:sp>
+        <p:nvSpPr>
+          <p:cNvPr id="4" name="Rectangle 3"/>
+          <p:cNvSpPr/>
+          <p:nvPr/>
+        </p:nvSpPr>
+        <p:spPr>
+          <a:xfrm>
+            <a:off x="7543800" y="5934075"/>
+            <a:ext cx="1447800" cy="762000"/>
+          </a:xfrm>
+          <a:prstGeom prst="rect">
+            <a:avLst/>
+          </a:prstGeom>
+        </p:spPr>
+        <p:style>
+          <a:lnRef idx="2">
+            <a:schemeClr val="accent1">
+              <a:shade val="50000"/>
+            </a:schemeClr>
+          </a:lnRef>
+          <a:fillRef idx="1">
+            <a:schemeClr val="accent1"/>
+          </a:fillRef>
+          <a:effectRef idx="0">
+            <a:schemeClr val="accent1"/>
+          </a:effectRef>
+          <a:fontRef idx="minor">
+            <a:schemeClr val="lt1"/>
+          </a:fontRef>
+        </p:style>
+        <p:txBody>
+          <a:bodyPr rtlCol="0" anchor="ctr"/>
+          <a:lstStyle/>
+          <a:p>
+            <a:pPr algn="ctr"/>
+            <a:endParaRPr lang="en-US"/>
+          </a:p>
+        </p:txBody>
+      </p:sp>
+      <p:pic>
+        <p:nvPicPr>
+          <p:cNvPr id="5" name="Picture 3" descr="C:\Users\Andrew\Desktop\cc_icon_white_x2.png"/>
+          <p:cNvPicPr>
+            <a:picLocks noChangeAspect="1" noChangeArrowheads="1"/>
+          </p:cNvPicPr>
+          <p:nvPr/>
+        </p:nvPicPr>
+        <p:blipFill>
+          <a:blip r:embed="rId2">
+            <a:extLst>
+              <a:ext uri="{28A0092B-C50C-407E-A947-70E740481C1C}">
+                <a14:useLocalDpi xmlns:a14="http://schemas.microsoft.com/office/drawing/2010/main" val="0"/>
+              </a:ext>
+            </a:extLst>
+          </a:blip>
+          <a:srcRect/>
+          <a:stretch>
+            <a:fillRect/>
+          </a:stretch>
+        </p:blipFill>
+        <p:spPr bwMode="auto">
+          <a:xfrm>
+            <a:off x="7607300" y="6010275"/>
+            <a:ext cx="609600" cy="609600"/>
+          </a:xfrm>
+          <a:prstGeom prst="rect">
+            <a:avLst/>
+          </a:prstGeom>
+          <a:noFill/>
+          <a:extLst>
+            <a:ext uri="{909E8E84-426E-40DD-AFC4-6F175D3DCCD1}">
+              <a14:hiddenFill xmlns:a14="http://schemas.microsoft.com/office/drawing/2010/main">
+                <a:solidFill>
+                  <a:srgbClr val="FFFFFF"/>
+                </a:solidFill>
+              </a14:hiddenFill>
+            </a:ext>
+          </a:extLst>
+        </p:spPr>
+      </p:pic>
+      <p:pic>
+        <p:nvPicPr>
+          <p:cNvPr id="6" name="Picture 4" descr="C:\Users\Andrew\Desktop\attribution_icon_white_x2.png"/>
+          <p:cNvPicPr>
+            <a:picLocks noChangeAspect="1" noChangeArrowheads="1"/>
+          </p:cNvPicPr>
+          <p:nvPr/>
+        </p:nvPicPr>
+        <p:blipFill>
+          <a:blip r:embed="rId3">
+            <a:extLst>
+              <a:ext uri="{28A0092B-C50C-407E-A947-70E740481C1C}">
+                <a14:useLocalDpi xmlns:a14="http://schemas.microsoft.com/office/drawing/2010/main" val="0"/>
+              </a:ext>
+            </a:extLst>
+          </a:blip>
+          <a:srcRect/>
+          <a:stretch>
+            <a:fillRect/>
+          </a:stretch>
+        </p:blipFill>
+        <p:spPr bwMode="auto">
+          <a:xfrm>
+            <a:off x="8296275" y="6022975"/>
+            <a:ext cx="596900" cy="596900"/>
+          </a:xfrm>
+          <a:prstGeom prst="rect">
+            <a:avLst/>
+          </a:prstGeom>
+          <a:noFill/>
+          <a:extLst>
+            <a:ext uri="{909E8E84-426E-40DD-AFC4-6F175D3DCCD1}">
+              <a14:hiddenFill xmlns:a14="http://schemas.microsoft.com/office/drawing/2010/main">
+                <a:solidFill>
+                  <a:srgbClr val="FFFFFF"/>
+                </a:solidFill>
+              </a14:hiddenFill>
+            </a:ext>
+          </a:extLst>
+        </p:spPr>
+      </p:pic>
     </p:spTree>
     <p:extLst>
       <p:ext uri="{BB962C8B-B14F-4D97-AF65-F5344CB8AC3E}">
@@ -8562,23 +8684,7 @@
                   <a:srgbClr val="FF0000"/>
                 </a:solidFill>
               </a:rPr>
-              <a:t>y = </a:t>
-            </a:r>
-            <a:r>
-              <a:rPr lang="en-US" sz="2800" dirty="0" smtClean="0">
-                <a:solidFill>
-                  <a:srgbClr val="FF0000"/>
-                </a:solidFill>
-              </a:rPr>
-              <a:t>a </a:t>
-            </a:r>
-            <a:r>
-              <a:rPr lang="en-US" sz="2800" dirty="0" smtClean="0">
-                <a:solidFill>
-                  <a:srgbClr val="FF0000"/>
-                </a:solidFill>
-              </a:rPr>
-              <a:t>+ </a:t>
+              <a:t>y = a + </a:t>
             </a:r>
             <a:r>
               <a:rPr lang="en-US" sz="2800" dirty="0" err="1" smtClean="0">
@@ -8708,15 +8814,7 @@
                   <a:srgbClr val="FF0000"/>
                 </a:solidFill>
               </a:rPr>
-              <a:t> </a:t>
-            </a:r>
-            <a:r>
-              <a:rPr lang="en-US" sz="1400" dirty="0" smtClean="0">
-                <a:solidFill>
-                  <a:srgbClr val="FF0000"/>
-                </a:solidFill>
-              </a:rPr>
-              <a:t>(slope)</a:t>
+              <a:t> (slope)</a:t>
             </a:r>
             <a:endParaRPr lang="en-US" sz="1400" dirty="0">
               <a:solidFill>

--- a/Presentations/ML Intro.pptx
+++ b/Presentations/ML Intro.pptx
@@ -310,7 +310,7 @@
             <a:fld id="{1D8BD707-D9CF-40AE-B4C6-C98DA3205C09}" type="datetimeFigureOut">
               <a:rPr lang="en-US" smtClean="0"/>
               <a:pPr/>
-              <a:t>7/3/2017</a:t>
+              <a:t>7/4/2017</a:t>
             </a:fld>
             <a:endParaRPr lang="en-US"/>
           </a:p>
@@ -477,7 +477,7 @@
             <a:fld id="{1D8BD707-D9CF-40AE-B4C6-C98DA3205C09}" type="datetimeFigureOut">
               <a:rPr lang="en-US" smtClean="0"/>
               <a:pPr/>
-              <a:t>7/3/2017</a:t>
+              <a:t>7/4/2017</a:t>
             </a:fld>
             <a:endParaRPr lang="en-US"/>
           </a:p>
@@ -654,7 +654,7 @@
             <a:fld id="{1D8BD707-D9CF-40AE-B4C6-C98DA3205C09}" type="datetimeFigureOut">
               <a:rPr lang="en-US" smtClean="0"/>
               <a:pPr/>
-              <a:t>7/3/2017</a:t>
+              <a:t>7/4/2017</a:t>
             </a:fld>
             <a:endParaRPr lang="en-US"/>
           </a:p>
@@ -821,7 +821,7 @@
             <a:fld id="{1D8BD707-D9CF-40AE-B4C6-C98DA3205C09}" type="datetimeFigureOut">
               <a:rPr lang="en-US" smtClean="0"/>
               <a:pPr/>
-              <a:t>7/3/2017</a:t>
+              <a:t>7/4/2017</a:t>
             </a:fld>
             <a:endParaRPr lang="en-US"/>
           </a:p>
@@ -1064,7 +1064,7 @@
             <a:fld id="{1D8BD707-D9CF-40AE-B4C6-C98DA3205C09}" type="datetimeFigureOut">
               <a:rPr lang="en-US" smtClean="0"/>
               <a:pPr/>
-              <a:t>7/3/2017</a:t>
+              <a:t>7/4/2017</a:t>
             </a:fld>
             <a:endParaRPr lang="en-US"/>
           </a:p>
@@ -1349,7 +1349,7 @@
             <a:fld id="{1D8BD707-D9CF-40AE-B4C6-C98DA3205C09}" type="datetimeFigureOut">
               <a:rPr lang="en-US" smtClean="0"/>
               <a:pPr/>
-              <a:t>7/3/2017</a:t>
+              <a:t>7/4/2017</a:t>
             </a:fld>
             <a:endParaRPr lang="en-US"/>
           </a:p>
@@ -1768,7 +1768,7 @@
             <a:fld id="{1D8BD707-D9CF-40AE-B4C6-C98DA3205C09}" type="datetimeFigureOut">
               <a:rPr lang="en-US" smtClean="0"/>
               <a:pPr/>
-              <a:t>7/3/2017</a:t>
+              <a:t>7/4/2017</a:t>
             </a:fld>
             <a:endParaRPr lang="en-US"/>
           </a:p>
@@ -1883,7 +1883,7 @@
             <a:fld id="{1D8BD707-D9CF-40AE-B4C6-C98DA3205C09}" type="datetimeFigureOut">
               <a:rPr lang="en-US" smtClean="0"/>
               <a:pPr/>
-              <a:t>7/3/2017</a:t>
+              <a:t>7/4/2017</a:t>
             </a:fld>
             <a:endParaRPr lang="en-US"/>
           </a:p>
@@ -1975,7 +1975,7 @@
             <a:fld id="{1D8BD707-D9CF-40AE-B4C6-C98DA3205C09}" type="datetimeFigureOut">
               <a:rPr lang="en-US" smtClean="0"/>
               <a:pPr/>
-              <a:t>7/3/2017</a:t>
+              <a:t>7/4/2017</a:t>
             </a:fld>
             <a:endParaRPr lang="en-US"/>
           </a:p>
@@ -2249,7 +2249,7 @@
             <a:fld id="{1D8BD707-D9CF-40AE-B4C6-C98DA3205C09}" type="datetimeFigureOut">
               <a:rPr lang="en-US" smtClean="0"/>
               <a:pPr/>
-              <a:t>7/3/2017</a:t>
+              <a:t>7/4/2017</a:t>
             </a:fld>
             <a:endParaRPr lang="en-US"/>
           </a:p>
@@ -2499,7 +2499,7 @@
             <a:fld id="{1D8BD707-D9CF-40AE-B4C6-C98DA3205C09}" type="datetimeFigureOut">
               <a:rPr lang="en-US" smtClean="0"/>
               <a:pPr/>
-              <a:t>7/3/2017</a:t>
+              <a:t>7/4/2017</a:t>
             </a:fld>
             <a:endParaRPr lang="en-US"/>
           </a:p>
@@ -2709,7 +2709,7 @@
             <a:fld id="{1D8BD707-D9CF-40AE-B4C6-C98DA3205C09}" type="datetimeFigureOut">
               <a:rPr lang="en-US" smtClean="0"/>
               <a:pPr/>
-              <a:t>7/3/2017</a:t>
+              <a:t>7/4/2017</a:t>
             </a:fld>
             <a:endParaRPr lang="en-US"/>
           </a:p>
@@ -3137,16 +3137,6 @@
           <a:lstStyle/>
           <a:p>
             <a:r>
-              <a:rPr lang="en-US" sz="2400" smtClean="0">
-                <a:solidFill>
-                  <a:schemeClr val="accent1">
-                    <a:lumMod val="75000"/>
-                  </a:schemeClr>
-                </a:solidFill>
-              </a:rPr>
-              <a:t>Portland </a:t>
-            </a:r>
-            <a:r>
               <a:rPr lang="en-US" sz="2400" dirty="0" smtClean="0">
                 <a:solidFill>
                   <a:schemeClr val="accent1">
@@ -3154,7 +3144,7 @@
                   </a:schemeClr>
                 </a:solidFill>
               </a:rPr>
-              <a:t>Data Science </a:t>
+              <a:t>Portland Data Science </a:t>
             </a:r>
             <a:r>
               <a:rPr lang="en-US" sz="2400" dirty="0">
@@ -3176,14 +3166,14 @@
               </a:rPr>
             </a:br>
             <a:r>
-              <a:rPr lang="en-US" sz="2400" dirty="0" smtClean="0">
+              <a:rPr lang="en-US" sz="2400" smtClean="0">
                 <a:solidFill>
                   <a:schemeClr val="accent1">
                     <a:lumMod val="75000"/>
                   </a:schemeClr>
                 </a:solidFill>
               </a:rPr>
-              <a:t>Andrew </a:t>
+              <a:t>Created by Andrew </a:t>
             </a:r>
             <a:r>
               <a:rPr lang="en-US" sz="2400" dirty="0" err="1" smtClean="0">
